--- a/Checklist task.pptx
+++ b/Checklist task.pptx
@@ -109,6 +109,11 @@
       </a:defRPr>
     </a:lvl9pPr>
   </p:defaultTextStyle>
+  <p:extLst>
+    <p:ext uri="{EFAFB233-063F-42B5-8137-9DF3F51BA10A}">
+      <p15:sldGuideLst xmlns:p15="http://schemas.microsoft.com/office/powerpoint/2012/main"/>
+    </p:ext>
+  </p:extLst>
 </p:presentation>
 </file>
 
@@ -301,7 +306,7 @@
             <a:fld id="{87DE6118-2437-4B30-8E3C-4D2BE6020583}" type="datetimeFigureOut">
               <a:rPr lang="en-US" smtClean="0"/>
               <a:pPr/>
-              <a:t>3/15/2024</a:t>
+              <a:t>2/12/2025</a:t>
             </a:fld>
             <a:endParaRPr lang="en-US" dirty="0"/>
           </a:p>
@@ -641,7 +646,7 @@
             <a:fld id="{87DE6118-2437-4B30-8E3C-4D2BE6020583}" type="datetimeFigureOut">
               <a:rPr lang="en-US" smtClean="0"/>
               <a:pPr/>
-              <a:t>3/15/2024</a:t>
+              <a:t>2/12/2025</a:t>
             </a:fld>
             <a:endParaRPr lang="en-US" dirty="0"/>
           </a:p>
@@ -1044,7 +1049,7 @@
             <a:fld id="{87DE6118-2437-4B30-8E3C-4D2BE6020583}" type="datetimeFigureOut">
               <a:rPr lang="en-US" smtClean="0"/>
               <a:pPr/>
-              <a:t>3/15/2024</a:t>
+              <a:t>2/12/2025</a:t>
             </a:fld>
             <a:endParaRPr lang="en-US" dirty="0"/>
           </a:p>
@@ -1382,7 +1387,7 @@
             <a:fld id="{87DE6118-2437-4B30-8E3C-4D2BE6020583}" type="datetimeFigureOut">
               <a:rPr lang="en-US" smtClean="0"/>
               <a:pPr/>
-              <a:t>3/15/2024</a:t>
+              <a:t>2/12/2025</a:t>
             </a:fld>
             <a:endParaRPr lang="en-US" dirty="0"/>
           </a:p>
@@ -1704,7 +1709,7 @@
             <a:fld id="{87DE6118-2437-4B30-8E3C-4D2BE6020583}" type="datetimeFigureOut">
               <a:rPr lang="en-US" smtClean="0"/>
               <a:pPr/>
-              <a:t>3/15/2024</a:t>
+              <a:t>2/12/2025</a:t>
             </a:fld>
             <a:endParaRPr lang="en-US" dirty="0"/>
           </a:p>
@@ -2102,7 +2107,7 @@
             <a:fld id="{87DE6118-2437-4B30-8E3C-4D2BE6020583}" type="datetimeFigureOut">
               <a:rPr lang="en-US" smtClean="0"/>
               <a:pPr/>
-              <a:t>3/15/2024</a:t>
+              <a:t>2/12/2025</a:t>
             </a:fld>
             <a:endParaRPr lang="en-US" dirty="0"/>
           </a:p>
@@ -2360,7 +2365,7 @@
           <a:p>
             <a:fld id="{87DE6118-2437-4B30-8E3C-4D2BE6020583}" type="datetimeFigureOut">
               <a:rPr lang="en-US" smtClean="0"/>
-              <a:t>3/15/2024</a:t>
+              <a:t>2/12/2025</a:t>
             </a:fld>
             <a:endParaRPr lang="en-US" dirty="0"/>
           </a:p>
@@ -2623,7 +2628,7 @@
             <a:fld id="{87DE6118-2437-4B30-8E3C-4D2BE6020583}" type="datetimeFigureOut">
               <a:rPr lang="en-US" smtClean="0"/>
               <a:pPr/>
-              <a:t>3/15/2024</a:t>
+              <a:t>2/12/2025</a:t>
             </a:fld>
             <a:endParaRPr lang="en-US" dirty="0"/>
           </a:p>
@@ -2886,7 +2891,7 @@
           <a:p>
             <a:fld id="{87DE6118-2437-4B30-8E3C-4D2BE6020583}" type="datetimeFigureOut">
               <a:rPr lang="en-US" smtClean="0"/>
-              <a:t>3/15/2024</a:t>
+              <a:t>2/12/2025</a:t>
             </a:fld>
             <a:endParaRPr lang="en-US" dirty="0"/>
           </a:p>
@@ -3216,7 +3221,7 @@
             <a:fld id="{87DE6118-2437-4B30-8E3C-4D2BE6020583}" type="datetimeFigureOut">
               <a:rPr lang="en-US" smtClean="0"/>
               <a:pPr/>
-              <a:t>3/15/2024</a:t>
+              <a:t>2/12/2025</a:t>
             </a:fld>
             <a:endParaRPr lang="en-US" dirty="0"/>
           </a:p>
@@ -3540,7 +3545,7 @@
           <a:p>
             <a:fld id="{87DE6118-2437-4B30-8E3C-4D2BE6020583}" type="datetimeFigureOut">
               <a:rPr lang="en-US" smtClean="0"/>
-              <a:t>3/15/2024</a:t>
+              <a:t>2/12/2025</a:t>
             </a:fld>
             <a:endParaRPr lang="en-US" dirty="0"/>
           </a:p>
@@ -3997,7 +4002,7 @@
           <a:p>
             <a:fld id="{87DE6118-2437-4B30-8E3C-4D2BE6020583}" type="datetimeFigureOut">
               <a:rPr lang="en-US" smtClean="0"/>
-              <a:t>3/15/2024</a:t>
+              <a:t>2/12/2025</a:t>
             </a:fld>
             <a:endParaRPr lang="en-US" dirty="0"/>
           </a:p>
@@ -4202,7 +4207,7 @@
           <a:p>
             <a:fld id="{87DE6118-2437-4B30-8E3C-4D2BE6020583}" type="datetimeFigureOut">
               <a:rPr lang="en-US" smtClean="0"/>
-              <a:t>3/15/2024</a:t>
+              <a:t>2/12/2025</a:t>
             </a:fld>
             <a:endParaRPr lang="en-US" dirty="0"/>
           </a:p>
@@ -4379,7 +4384,7 @@
           <a:p>
             <a:fld id="{87DE6118-2437-4B30-8E3C-4D2BE6020583}" type="datetimeFigureOut">
               <a:rPr lang="en-US" smtClean="0"/>
-              <a:t>3/15/2024</a:t>
+              <a:t>2/12/2025</a:t>
             </a:fld>
             <a:endParaRPr lang="en-US" dirty="0"/>
           </a:p>
@@ -4713,7 +4718,7 @@
             <a:fld id="{87DE6118-2437-4B30-8E3C-4D2BE6020583}" type="datetimeFigureOut">
               <a:rPr lang="en-US" smtClean="0"/>
               <a:pPr/>
-              <a:t>3/15/2024</a:t>
+              <a:t>2/12/2025</a:t>
             </a:fld>
             <a:endParaRPr lang="en-US" dirty="0"/>
           </a:p>
@@ -5060,7 +5065,7 @@
             <a:fld id="{87DE6118-2437-4B30-8E3C-4D2BE6020583}" type="datetimeFigureOut">
               <a:rPr lang="en-US" smtClean="0"/>
               <a:pPr/>
-              <a:t>3/15/2024</a:t>
+              <a:t>2/12/2025</a:t>
             </a:fld>
             <a:endParaRPr lang="en-US" dirty="0"/>
           </a:p>
@@ -7179,7 +7184,7 @@
             <a:fld id="{87DE6118-2437-4B30-8E3C-4D2BE6020583}" type="datetimeFigureOut">
               <a:rPr lang="en-US" smtClean="0"/>
               <a:pPr/>
-              <a:t>3/15/2024</a:t>
+              <a:t>2/12/2025</a:t>
             </a:fld>
             <a:endParaRPr lang="en-US" dirty="0"/>
           </a:p>
@@ -7930,278 +7935,6 @@
           </a:prstGeom>
         </p:spPr>
       </p:pic>
-      <p:sp>
-        <p:nvSpPr>
-          <p:cNvPr id="6" name="Segnaposto contenuto 2"/>
-          <p:cNvSpPr txBox="1">
-            <a:spLocks/>
-          </p:cNvSpPr>
-          <p:nvPr/>
-        </p:nvSpPr>
-        <p:spPr>
-          <a:xfrm>
-            <a:off x="2741612" y="2286000"/>
-            <a:ext cx="8915400" cy="3777622"/>
-          </a:xfrm>
-          <a:prstGeom prst="rect">
-            <a:avLst/>
-          </a:prstGeom>
-        </p:spPr>
-        <p:txBody>
-          <a:bodyPr vert="horz" lIns="91440" tIns="45720" rIns="91440" bIns="45720" rtlCol="0">
-            <a:normAutofit/>
-          </a:bodyPr>
-          <a:lstStyle>
-            <a:lvl1pPr marL="342900" indent="-342900" algn="l" defTabSz="457200" rtl="0" eaLnBrk="1" latinLnBrk="0" hangingPunct="1">
-              <a:spcBef>
-                <a:spcPts val="1000"/>
-              </a:spcBef>
-              <a:spcAft>
-                <a:spcPts val="0"/>
-              </a:spcAft>
-              <a:buClr>
-                <a:schemeClr val="accent1"/>
-              </a:buClr>
-              <a:buFont typeface="Wingdings 3" charset="2"/>
-              <a:buChar char=""/>
-              <a:defRPr sz="1800" kern="1200">
-                <a:solidFill>
-                  <a:schemeClr val="tx1">
-                    <a:lumMod val="75000"/>
-                    <a:lumOff val="25000"/>
-                  </a:schemeClr>
-                </a:solidFill>
-                <a:latin typeface="+mn-lt"/>
-                <a:ea typeface="+mn-ea"/>
-                <a:cs typeface="+mn-cs"/>
-              </a:defRPr>
-            </a:lvl1pPr>
-            <a:lvl2pPr marL="742950" indent="-285750" algn="l" defTabSz="457200" rtl="0" eaLnBrk="1" latinLnBrk="0" hangingPunct="1">
-              <a:spcBef>
-                <a:spcPts val="1000"/>
-              </a:spcBef>
-              <a:spcAft>
-                <a:spcPts val="0"/>
-              </a:spcAft>
-              <a:buClr>
-                <a:schemeClr val="accent1"/>
-              </a:buClr>
-              <a:buFont typeface="Wingdings 3" charset="2"/>
-              <a:buChar char=""/>
-              <a:defRPr sz="1600" kern="1200">
-                <a:solidFill>
-                  <a:schemeClr val="tx1">
-                    <a:lumMod val="75000"/>
-                    <a:lumOff val="25000"/>
-                  </a:schemeClr>
-                </a:solidFill>
-                <a:latin typeface="+mn-lt"/>
-                <a:ea typeface="+mn-ea"/>
-                <a:cs typeface="+mn-cs"/>
-              </a:defRPr>
-            </a:lvl2pPr>
-            <a:lvl3pPr marL="1143000" indent="-228600" algn="l" defTabSz="457200" rtl="0" eaLnBrk="1" latinLnBrk="0" hangingPunct="1">
-              <a:spcBef>
-                <a:spcPts val="1000"/>
-              </a:spcBef>
-              <a:spcAft>
-                <a:spcPts val="0"/>
-              </a:spcAft>
-              <a:buClr>
-                <a:schemeClr val="accent1"/>
-              </a:buClr>
-              <a:buFont typeface="Wingdings 3" charset="2"/>
-              <a:buChar char=""/>
-              <a:defRPr sz="1400" kern="1200">
-                <a:solidFill>
-                  <a:schemeClr val="tx1">
-                    <a:lumMod val="75000"/>
-                    <a:lumOff val="25000"/>
-                  </a:schemeClr>
-                </a:solidFill>
-                <a:latin typeface="+mn-lt"/>
-                <a:ea typeface="+mn-ea"/>
-                <a:cs typeface="+mn-cs"/>
-              </a:defRPr>
-            </a:lvl3pPr>
-            <a:lvl4pPr marL="1600200" indent="-228600" algn="l" defTabSz="457200" rtl="0" eaLnBrk="1" latinLnBrk="0" hangingPunct="1">
-              <a:spcBef>
-                <a:spcPts val="1000"/>
-              </a:spcBef>
-              <a:spcAft>
-                <a:spcPts val="0"/>
-              </a:spcAft>
-              <a:buClr>
-                <a:schemeClr val="accent1"/>
-              </a:buClr>
-              <a:buFont typeface="Wingdings 3" charset="2"/>
-              <a:buChar char=""/>
-              <a:defRPr sz="1200" kern="1200">
-                <a:solidFill>
-                  <a:schemeClr val="tx1">
-                    <a:lumMod val="75000"/>
-                    <a:lumOff val="25000"/>
-                  </a:schemeClr>
-                </a:solidFill>
-                <a:latin typeface="+mn-lt"/>
-                <a:ea typeface="+mn-ea"/>
-                <a:cs typeface="+mn-cs"/>
-              </a:defRPr>
-            </a:lvl4pPr>
-            <a:lvl5pPr marL="2057400" indent="-228600" algn="l" defTabSz="457200" rtl="0" eaLnBrk="1" latinLnBrk="0" hangingPunct="1">
-              <a:spcBef>
-                <a:spcPts val="1000"/>
-              </a:spcBef>
-              <a:spcAft>
-                <a:spcPts val="0"/>
-              </a:spcAft>
-              <a:buClr>
-                <a:schemeClr val="accent1"/>
-              </a:buClr>
-              <a:buFont typeface="Wingdings 3" charset="2"/>
-              <a:buChar char=""/>
-              <a:defRPr sz="1200" kern="1200">
-                <a:solidFill>
-                  <a:schemeClr val="tx1">
-                    <a:lumMod val="75000"/>
-                    <a:lumOff val="25000"/>
-                  </a:schemeClr>
-                </a:solidFill>
-                <a:latin typeface="+mn-lt"/>
-                <a:ea typeface="+mn-ea"/>
-                <a:cs typeface="+mn-cs"/>
-              </a:defRPr>
-            </a:lvl5pPr>
-            <a:lvl6pPr marL="2514600" indent="-228600" algn="l" defTabSz="457200" rtl="0" eaLnBrk="1" latinLnBrk="0" hangingPunct="1">
-              <a:spcBef>
-                <a:spcPts val="1000"/>
-              </a:spcBef>
-              <a:spcAft>
-                <a:spcPts val="0"/>
-              </a:spcAft>
-              <a:buClr>
-                <a:schemeClr val="accent1"/>
-              </a:buClr>
-              <a:buFont typeface="Wingdings 3" charset="2"/>
-              <a:buChar char=""/>
-              <a:defRPr sz="1200" kern="1200">
-                <a:solidFill>
-                  <a:schemeClr val="tx1">
-                    <a:lumMod val="75000"/>
-                    <a:lumOff val="25000"/>
-                  </a:schemeClr>
-                </a:solidFill>
-                <a:latin typeface="+mn-lt"/>
-                <a:ea typeface="+mn-ea"/>
-                <a:cs typeface="+mn-cs"/>
-              </a:defRPr>
-            </a:lvl6pPr>
-            <a:lvl7pPr marL="2971800" indent="-228600" algn="l" defTabSz="457200" rtl="0" eaLnBrk="1" latinLnBrk="0" hangingPunct="1">
-              <a:spcBef>
-                <a:spcPts val="1000"/>
-              </a:spcBef>
-              <a:spcAft>
-                <a:spcPts val="0"/>
-              </a:spcAft>
-              <a:buClr>
-                <a:schemeClr val="accent1"/>
-              </a:buClr>
-              <a:buFont typeface="Wingdings 3" charset="2"/>
-              <a:buChar char=""/>
-              <a:defRPr sz="1200" kern="1200">
-                <a:solidFill>
-                  <a:schemeClr val="tx1">
-                    <a:lumMod val="75000"/>
-                    <a:lumOff val="25000"/>
-                  </a:schemeClr>
-                </a:solidFill>
-                <a:latin typeface="+mn-lt"/>
-                <a:ea typeface="+mn-ea"/>
-                <a:cs typeface="+mn-cs"/>
-              </a:defRPr>
-            </a:lvl7pPr>
-            <a:lvl8pPr marL="3429000" indent="-228600" algn="l" defTabSz="457200" rtl="0" eaLnBrk="1" latinLnBrk="0" hangingPunct="1">
-              <a:spcBef>
-                <a:spcPts val="1000"/>
-              </a:spcBef>
-              <a:spcAft>
-                <a:spcPts val="0"/>
-              </a:spcAft>
-              <a:buClr>
-                <a:schemeClr val="accent1"/>
-              </a:buClr>
-              <a:buFont typeface="Wingdings 3" charset="2"/>
-              <a:buChar char=""/>
-              <a:defRPr sz="1200" kern="1200">
-                <a:solidFill>
-                  <a:schemeClr val="tx1">
-                    <a:lumMod val="75000"/>
-                    <a:lumOff val="25000"/>
-                  </a:schemeClr>
-                </a:solidFill>
-                <a:latin typeface="+mn-lt"/>
-                <a:ea typeface="+mn-ea"/>
-                <a:cs typeface="+mn-cs"/>
-              </a:defRPr>
-            </a:lvl8pPr>
-            <a:lvl9pPr marL="3886200" indent="-228600" algn="l" defTabSz="457200" rtl="0" eaLnBrk="1" latinLnBrk="0" hangingPunct="1">
-              <a:spcBef>
-                <a:spcPts val="1000"/>
-              </a:spcBef>
-              <a:spcAft>
-                <a:spcPts val="0"/>
-              </a:spcAft>
-              <a:buClr>
-                <a:schemeClr val="accent1"/>
-              </a:buClr>
-              <a:buFont typeface="Wingdings 3" charset="2"/>
-              <a:buChar char=""/>
-              <a:defRPr sz="1200" kern="1200">
-                <a:solidFill>
-                  <a:schemeClr val="tx1">
-                    <a:lumMod val="75000"/>
-                    <a:lumOff val="25000"/>
-                  </a:schemeClr>
-                </a:solidFill>
-                <a:latin typeface="+mn-lt"/>
-                <a:ea typeface="+mn-ea"/>
-                <a:cs typeface="+mn-cs"/>
-              </a:defRPr>
-            </a:lvl9pPr>
-          </a:lstStyle>
-          <a:p>
-            <a:r>
-              <a:rPr lang="it-IT" smtClean="0"/>
-              <a:t>impostazioni di base di XcTrack (menu preferenze,  importazione / esportazione configurazioni)</a:t>
-            </a:r>
-          </a:p>
-          <a:p>
-            <a:r>
-              <a:rPr lang="it-IT" smtClean="0"/>
-              <a:t>impostazioni grafiche (menu personalizza)</a:t>
-            </a:r>
-          </a:p>
-          <a:p>
-            <a:r>
-              <a:rPr lang="it-IT" smtClean="0"/>
-              <a:t>impostazione waypoint e task di gara  (uso QrCode)</a:t>
-            </a:r>
-          </a:p>
-          <a:p>
-            <a:r>
-              <a:rPr lang="it-IT" smtClean="0"/>
-              <a:t>impostazioni da esperto per vincere le gare</a:t>
-            </a:r>
-          </a:p>
-          <a:p>
-            <a:r>
-              <a:rPr lang="it-IT" smtClean="0"/>
-              <a:t>varie ed eventuali / sviluppo temi a richiesta</a:t>
-            </a:r>
-            <a:endParaRPr lang="it-IT" dirty="0"/>
-          </a:p>
-        </p:txBody>
-      </p:sp>
     </p:spTree>
     <p:extLst>
       <p:ext uri="{BB962C8B-B14F-4D97-AF65-F5344CB8AC3E}">
